--- a/Data/R_input_files/Figure3A_TJ_schematic_PPT.pptx
+++ b/Data/R_input_files/Figure3A_TJ_schematic_PPT.pptx
@@ -259,7 +259,7 @@
           <a:p>
             <a:fld id="{BB5DB5B5-25A9-214F-AA62-94BF42850338}" type="datetimeFigureOut">
               <a:rPr lang="en-GB" smtClean="0"/>
-              <a:t>18/06/2023</a:t>
+              <a:t>23/11/2023</a:t>
             </a:fld>
             <a:endParaRPr lang="en-GB"/>
           </a:p>
@@ -457,7 +457,7 @@
           <a:p>
             <a:fld id="{BB5DB5B5-25A9-214F-AA62-94BF42850338}" type="datetimeFigureOut">
               <a:rPr lang="en-GB" smtClean="0"/>
-              <a:t>18/06/2023</a:t>
+              <a:t>23/11/2023</a:t>
             </a:fld>
             <a:endParaRPr lang="en-GB"/>
           </a:p>
@@ -665,7 +665,7 @@
           <a:p>
             <a:fld id="{BB5DB5B5-25A9-214F-AA62-94BF42850338}" type="datetimeFigureOut">
               <a:rPr lang="en-GB" smtClean="0"/>
-              <a:t>18/06/2023</a:t>
+              <a:t>23/11/2023</a:t>
             </a:fld>
             <a:endParaRPr lang="en-GB"/>
           </a:p>
@@ -863,7 +863,7 @@
           <a:p>
             <a:fld id="{BB5DB5B5-25A9-214F-AA62-94BF42850338}" type="datetimeFigureOut">
               <a:rPr lang="en-GB" smtClean="0"/>
-              <a:t>18/06/2023</a:t>
+              <a:t>23/11/2023</a:t>
             </a:fld>
             <a:endParaRPr lang="en-GB"/>
           </a:p>
@@ -1138,7 +1138,7 @@
           <a:p>
             <a:fld id="{BB5DB5B5-25A9-214F-AA62-94BF42850338}" type="datetimeFigureOut">
               <a:rPr lang="en-GB" smtClean="0"/>
-              <a:t>18/06/2023</a:t>
+              <a:t>23/11/2023</a:t>
             </a:fld>
             <a:endParaRPr lang="en-GB"/>
           </a:p>
@@ -1403,7 +1403,7 @@
           <a:p>
             <a:fld id="{BB5DB5B5-25A9-214F-AA62-94BF42850338}" type="datetimeFigureOut">
               <a:rPr lang="en-GB" smtClean="0"/>
-              <a:t>18/06/2023</a:t>
+              <a:t>23/11/2023</a:t>
             </a:fld>
             <a:endParaRPr lang="en-GB"/>
           </a:p>
@@ -1815,7 +1815,7 @@
           <a:p>
             <a:fld id="{BB5DB5B5-25A9-214F-AA62-94BF42850338}" type="datetimeFigureOut">
               <a:rPr lang="en-GB" smtClean="0"/>
-              <a:t>18/06/2023</a:t>
+              <a:t>23/11/2023</a:t>
             </a:fld>
             <a:endParaRPr lang="en-GB"/>
           </a:p>
@@ -1956,7 +1956,7 @@
           <a:p>
             <a:fld id="{BB5DB5B5-25A9-214F-AA62-94BF42850338}" type="datetimeFigureOut">
               <a:rPr lang="en-GB" smtClean="0"/>
-              <a:t>18/06/2023</a:t>
+              <a:t>23/11/2023</a:t>
             </a:fld>
             <a:endParaRPr lang="en-GB"/>
           </a:p>
@@ -2069,7 +2069,7 @@
           <a:p>
             <a:fld id="{BB5DB5B5-25A9-214F-AA62-94BF42850338}" type="datetimeFigureOut">
               <a:rPr lang="en-GB" smtClean="0"/>
-              <a:t>18/06/2023</a:t>
+              <a:t>23/11/2023</a:t>
             </a:fld>
             <a:endParaRPr lang="en-GB"/>
           </a:p>
@@ -2380,7 +2380,7 @@
           <a:p>
             <a:fld id="{BB5DB5B5-25A9-214F-AA62-94BF42850338}" type="datetimeFigureOut">
               <a:rPr lang="en-GB" smtClean="0"/>
-              <a:t>18/06/2023</a:t>
+              <a:t>23/11/2023</a:t>
             </a:fld>
             <a:endParaRPr lang="en-GB"/>
           </a:p>
@@ -2668,7 +2668,7 @@
           <a:p>
             <a:fld id="{BB5DB5B5-25A9-214F-AA62-94BF42850338}" type="datetimeFigureOut">
               <a:rPr lang="en-GB" smtClean="0"/>
-              <a:t>18/06/2023</a:t>
+              <a:t>23/11/2023</a:t>
             </a:fld>
             <a:endParaRPr lang="en-GB"/>
           </a:p>
@@ -2909,7 +2909,7 @@
           <a:p>
             <a:fld id="{BB5DB5B5-25A9-214F-AA62-94BF42850338}" type="datetimeFigureOut">
               <a:rPr lang="en-GB" smtClean="0"/>
-              <a:t>18/06/2023</a:t>
+              <a:t>23/11/2023</a:t>
             </a:fld>
             <a:endParaRPr lang="en-GB"/>
           </a:p>
@@ -5205,7 +5205,7 @@
         </p:nvSpPr>
         <p:spPr>
           <a:xfrm>
-            <a:off x="3087295" y="909571"/>
+            <a:off x="3087295" y="5688314"/>
             <a:ext cx="1288556" cy="523220"/>
           </a:xfrm>
           <a:prstGeom prst="rect">
@@ -5258,7 +5258,7 @@
         </p:nvSpPr>
         <p:spPr>
           <a:xfrm>
-            <a:off x="3019150" y="5667602"/>
+            <a:off x="3019150" y="934406"/>
             <a:ext cx="1952449" cy="769441"/>
           </a:xfrm>
           <a:prstGeom prst="rect">
@@ -7247,7 +7247,7 @@
                 <a:latin typeface="Arial" panose="020B0604020202020204" pitchFamily="34" charset="0"/>
                 <a:cs typeface="Arial" panose="020B0604020202020204" pitchFamily="34" charset="0"/>
               </a:rPr>
-              <a:t>15 Asians matched with 2 Europeans each, n=45</a:t>
+              <a:t>1 Asians matched with 2 Europeans each, n=45</a:t>
             </a:r>
           </a:p>
         </p:txBody>
